--- a/use case diagram.pptx
+++ b/use case diagram.pptx
@@ -306,7 +306,7 @@
             <a:fld id="{993EDB12-1308-48D6-AE37-B93CD1AD67D5}" type="datetimeFigureOut">
               <a:rPr lang="en-US" smtClean="0"/>
               <a:pPr/>
-              <a:t>2/2/2014</a:t>
+              <a:t>2/5/2014</a:t>
             </a:fld>
             <a:endParaRPr lang="en-US" dirty="0"/>
           </a:p>
@@ -382,7 +382,7 @@
     </p:spTree>
     <p:extLst>
       <p:ext uri="{BB962C8B-B14F-4D97-AF65-F5344CB8AC3E}">
-        <p14:creationId xmlns="" xmlns:p14="http://schemas.microsoft.com/office/powerpoint/2010/main" val="2367314293"/>
+        <p14:creationId xmlns:p14="http://schemas.microsoft.com/office/powerpoint/2010/main" val="2367314293"/>
       </p:ext>
     </p:extLst>
   </p:cSld>
@@ -474,7 +474,7 @@
             <a:fld id="{B100E3E7-DD1B-46DC-B539-9CF88975E14B}" type="datetimeFigureOut">
               <a:rPr lang="en-US" smtClean="0"/>
               <a:pPr/>
-              <a:t>2/2/2014</a:t>
+              <a:t>2/5/2014</a:t>
             </a:fld>
             <a:endParaRPr lang="en-US" dirty="0"/>
           </a:p>
@@ -645,7 +645,7 @@
     </p:spTree>
     <p:extLst>
       <p:ext uri="{BB962C8B-B14F-4D97-AF65-F5344CB8AC3E}">
-        <p14:creationId xmlns="" xmlns:p14="http://schemas.microsoft.com/office/powerpoint/2010/main" val="4126127873"/>
+        <p14:creationId xmlns:p14="http://schemas.microsoft.com/office/powerpoint/2010/main" val="4126127873"/>
       </p:ext>
     </p:extLst>
   </p:cSld>
@@ -943,7 +943,7 @@
     </p:spTree>
     <p:extLst>
       <p:ext uri="{BB962C8B-B14F-4D97-AF65-F5344CB8AC3E}">
-        <p14:creationId xmlns="" xmlns:p14="http://schemas.microsoft.com/office/powerpoint/2010/main" val="1021516580"/>
+        <p14:creationId xmlns:p14="http://schemas.microsoft.com/office/powerpoint/2010/main" val="1021516580"/>
       </p:ext>
     </p:extLst>
   </p:cSld>
@@ -1943,7 +1943,7 @@
             <a:fld id="{E457F6AB-0AEE-4A4C-A1A4-1C83E5362767}" type="datetime1">
               <a:rPr lang="en-US" smtClean="0"/>
               <a:pPr/>
-              <a:t>2/2/2014</a:t>
+              <a:t>2/5/2014</a:t>
             </a:fld>
             <a:endParaRPr lang="en-US" dirty="0"/>
           </a:p>
@@ -1999,7 +1999,7 @@
     </p:spTree>
     <p:extLst>
       <p:ext uri="{BB962C8B-B14F-4D97-AF65-F5344CB8AC3E}">
-        <p14:creationId xmlns="" xmlns:p14="http://schemas.microsoft.com/office/powerpoint/2010/main" val="3471901308"/>
+        <p14:creationId xmlns:p14="http://schemas.microsoft.com/office/powerpoint/2010/main" val="3471901308"/>
       </p:ext>
     </p:extLst>
   </p:cSld>
@@ -2119,7 +2119,7 @@
             <a:fld id="{9CFC7B41-F132-4267-AC00-FD51E9203DF0}" type="datetime1">
               <a:rPr lang="en-US" smtClean="0"/>
               <a:pPr/>
-              <a:t>2/2/2014</a:t>
+              <a:t>2/5/2014</a:t>
             </a:fld>
             <a:endParaRPr lang="en-US" dirty="0"/>
           </a:p>
@@ -2175,7 +2175,7 @@
     </p:spTree>
     <p:extLst>
       <p:ext uri="{BB962C8B-B14F-4D97-AF65-F5344CB8AC3E}">
-        <p14:creationId xmlns="" xmlns:p14="http://schemas.microsoft.com/office/powerpoint/2010/main" val="215632133"/>
+        <p14:creationId xmlns:p14="http://schemas.microsoft.com/office/powerpoint/2010/main" val="215632133"/>
       </p:ext>
     </p:extLst>
   </p:cSld>
@@ -2305,7 +2305,7 @@
             <a:fld id="{A0705ACB-F5E6-4625-8139-8D9657A524B2}" type="datetime1">
               <a:rPr lang="en-US" smtClean="0"/>
               <a:pPr/>
-              <a:t>2/2/2014</a:t>
+              <a:t>2/5/2014</a:t>
             </a:fld>
             <a:endParaRPr lang="en-US" dirty="0"/>
           </a:p>
@@ -2361,7 +2361,7 @@
     </p:spTree>
     <p:extLst>
       <p:ext uri="{BB962C8B-B14F-4D97-AF65-F5344CB8AC3E}">
-        <p14:creationId xmlns="" xmlns:p14="http://schemas.microsoft.com/office/powerpoint/2010/main" val="3063376345"/>
+        <p14:creationId xmlns:p14="http://schemas.microsoft.com/office/powerpoint/2010/main" val="3063376345"/>
       </p:ext>
     </p:extLst>
   </p:cSld>
@@ -2429,7 +2429,7 @@
             <a:fld id="{83CB2DF1-42BE-4459-95D4-D81B8BEC9A2F}" type="datetime1">
               <a:rPr lang="en-US" smtClean="0"/>
               <a:pPr/>
-              <a:t>2/2/2014</a:t>
+              <a:t>2/5/2014</a:t>
             </a:fld>
             <a:endParaRPr lang="en-US" dirty="0"/>
           </a:p>
@@ -2485,7 +2485,7 @@
     </p:spTree>
     <p:extLst>
       <p:ext uri="{BB962C8B-B14F-4D97-AF65-F5344CB8AC3E}">
-        <p14:creationId xmlns="" xmlns:p14="http://schemas.microsoft.com/office/powerpoint/2010/main" val="294040700"/>
+        <p14:creationId xmlns:p14="http://schemas.microsoft.com/office/powerpoint/2010/main" val="294040700"/>
       </p:ext>
     </p:extLst>
   </p:cSld>
@@ -2555,7 +2555,7 @@
             <a:fld id="{200B7D96-34AC-4918-BD48-C6C2B96FD48B}" type="datetime1">
               <a:rPr lang="en-US" smtClean="0"/>
               <a:pPr/>
-              <a:t>2/2/2014</a:t>
+              <a:t>2/5/2014</a:t>
             </a:fld>
             <a:endParaRPr lang="en-US" dirty="0"/>
           </a:p>
@@ -2909,7 +2909,7 @@
             <a:fld id="{5ED95C48-05AF-449C-8415-D37E23BE9E89}" type="datetime1">
               <a:rPr lang="en-US" smtClean="0"/>
               <a:pPr/>
-              <a:t>2/2/2014</a:t>
+              <a:t>2/5/2014</a:t>
             </a:fld>
             <a:endParaRPr lang="en-US" dirty="0"/>
           </a:p>
@@ -3114,7 +3114,7 @@
             <a:fld id="{A4433F60-EBD9-4387-BE73-7887CCC3857F}" type="datetime1">
               <a:rPr lang="en-US" smtClean="0"/>
               <a:pPr/>
-              <a:t>2/2/2014</a:t>
+              <a:t>2/5/2014</a:t>
             </a:fld>
             <a:endParaRPr lang="en-US" dirty="0"/>
           </a:p>
@@ -3415,7 +3415,7 @@
             <a:fld id="{2E49B27D-C27B-4E95-8929-7E1AB1056087}" type="datetime1">
               <a:rPr lang="en-US" smtClean="0"/>
               <a:pPr/>
-              <a:t>2/2/2014</a:t>
+              <a:t>2/5/2014</a:t>
             </a:fld>
             <a:endParaRPr lang="en-US" dirty="0"/>
           </a:p>
@@ -3855,7 +3855,7 @@
             <a:fld id="{55B7DE5A-E076-428A-A9DA-5D1AC7D48DA8}" type="datetime1">
               <a:rPr lang="en-US" smtClean="0"/>
               <a:pPr/>
-              <a:t>2/2/2014</a:t>
+              <a:t>2/5/2014</a:t>
             </a:fld>
             <a:endParaRPr lang="en-US" dirty="0"/>
           </a:p>
@@ -3986,7 +3986,7 @@
             <a:fld id="{75EAEEE5-DD3F-41AD-8283-3CB0F56BB71C}" type="datetime1">
               <a:rPr lang="en-US" smtClean="0"/>
               <a:pPr/>
-              <a:t>2/2/2014</a:t>
+              <a:t>2/5/2014</a:t>
             </a:fld>
             <a:endParaRPr lang="en-US" dirty="0"/>
           </a:p>
@@ -4094,7 +4094,7 @@
             <a:fld id="{B6F86428-DD53-4580-ABF7-CE7A5D848332}" type="datetime1">
               <a:rPr lang="en-US" smtClean="0"/>
               <a:pPr/>
-              <a:t>2/2/2014</a:t>
+              <a:t>2/5/2014</a:t>
             </a:fld>
             <a:endParaRPr lang="en-US" dirty="0"/>
           </a:p>
@@ -4218,7 +4218,7 @@
             <a:fld id="{8E1B4C49-C3A3-4AB3-8DC2-211373A1DD02}" type="datetime1">
               <a:rPr lang="en-US" smtClean="0"/>
               <a:pPr/>
-              <a:t>2/2/2014</a:t>
+              <a:t>2/5/2014</a:t>
             </a:fld>
             <a:endParaRPr lang="en-US" dirty="0"/>
           </a:p>
@@ -4274,7 +4274,7 @@
     </p:spTree>
     <p:extLst>
       <p:ext uri="{BB962C8B-B14F-4D97-AF65-F5344CB8AC3E}">
-        <p14:creationId xmlns="" xmlns:p14="http://schemas.microsoft.com/office/powerpoint/2010/main" val="3260293820"/>
+        <p14:creationId xmlns:p14="http://schemas.microsoft.com/office/powerpoint/2010/main" val="3260293820"/>
       </p:ext>
     </p:extLst>
   </p:cSld>
@@ -4560,7 +4560,7 @@
             <a:fld id="{5C843439-E96F-4224-B16E-D074BE03FC51}" type="datetime1">
               <a:rPr lang="en-US" smtClean="0"/>
               <a:pPr/>
-              <a:t>2/2/2014</a:t>
+              <a:t>2/5/2014</a:t>
             </a:fld>
             <a:endParaRPr lang="en-US" dirty="0"/>
           </a:p>
@@ -4830,7 +4830,7 @@
             <a:fld id="{A86FF9A8-EC1B-4C50-9D78-97C60C0A38BA}" type="datetime1">
               <a:rPr lang="en-US" smtClean="0"/>
               <a:pPr/>
-              <a:t>2/2/2014</a:t>
+              <a:t>2/5/2014</a:t>
             </a:fld>
             <a:endParaRPr lang="en-US" dirty="0"/>
           </a:p>
@@ -5013,7 +5013,7 @@
             <a:fld id="{1604FC8D-79A5-4086-A222-F674398D22E1}" type="datetime1">
               <a:rPr lang="en-US" smtClean="0"/>
               <a:pPr/>
-              <a:t>2/2/2014</a:t>
+              <a:t>2/5/2014</a:t>
             </a:fld>
             <a:endParaRPr lang="en-US" dirty="0"/>
           </a:p>
@@ -5206,7 +5206,7 @@
             <a:fld id="{CB93D9DA-E0D1-47E8-95C9-583223A50EBB}" type="datetime1">
               <a:rPr lang="en-US" smtClean="0"/>
               <a:pPr/>
-              <a:t>2/2/2014</a:t>
+              <a:t>2/5/2014</a:t>
             </a:fld>
             <a:endParaRPr lang="en-US" dirty="0"/>
           </a:p>
@@ -5385,7 +5385,7 @@
             <a:fld id="{323CA87B-DBA9-4091-BD4F-EC053606A5C6}" type="datetime1">
               <a:rPr lang="en-US" smtClean="0"/>
               <a:pPr/>
-              <a:t>2/2/2014</a:t>
+              <a:t>2/5/2014</a:t>
             </a:fld>
             <a:endParaRPr lang="en-US" dirty="0"/>
           </a:p>
@@ -5509,7 +5509,7 @@
             <a:fld id="{67F7BCE2-7473-41EB-B90F-29F9A590521A}" type="datetime1">
               <a:rPr lang="en-US" smtClean="0"/>
               <a:pPr/>
-              <a:t>2/2/2014</a:t>
+              <a:t>2/5/2014</a:t>
             </a:fld>
             <a:endParaRPr lang="en-US" dirty="0"/>
           </a:p>
@@ -5565,7 +5565,7 @@
     </p:spTree>
     <p:extLst>
       <p:ext uri="{BB962C8B-B14F-4D97-AF65-F5344CB8AC3E}">
-        <p14:creationId xmlns="" xmlns:p14="http://schemas.microsoft.com/office/powerpoint/2010/main" val="4251797176"/>
+        <p14:creationId xmlns:p14="http://schemas.microsoft.com/office/powerpoint/2010/main" val="4251797176"/>
       </p:ext>
     </p:extLst>
   </p:cSld>
@@ -5761,7 +5761,7 @@
             <a:fld id="{B8DBE859-E4ED-4102-B87A-853091F75C71}" type="datetime1">
               <a:rPr lang="en-US" smtClean="0"/>
               <a:pPr/>
-              <a:t>2/2/2014</a:t>
+              <a:t>2/5/2014</a:t>
             </a:fld>
             <a:endParaRPr lang="en-US" dirty="0"/>
           </a:p>
@@ -5817,7 +5817,7 @@
     </p:spTree>
     <p:extLst>
       <p:ext uri="{BB962C8B-B14F-4D97-AF65-F5344CB8AC3E}">
-        <p14:creationId xmlns="" xmlns:p14="http://schemas.microsoft.com/office/powerpoint/2010/main" val="3696079889"/>
+        <p14:creationId xmlns:p14="http://schemas.microsoft.com/office/powerpoint/2010/main" val="3696079889"/>
       </p:ext>
     </p:extLst>
   </p:cSld>
@@ -6055,7 +6055,7 @@
             <a:fld id="{84701E01-ED32-4618-B274-C3B56B121D1B}" type="datetime1">
               <a:rPr lang="en-US" smtClean="0"/>
               <a:pPr/>
-              <a:t>2/2/2014</a:t>
+              <a:t>2/5/2014</a:t>
             </a:fld>
             <a:endParaRPr lang="en-US" dirty="0"/>
           </a:p>
@@ -6111,7 +6111,7 @@
     </p:spTree>
     <p:extLst>
       <p:ext uri="{BB962C8B-B14F-4D97-AF65-F5344CB8AC3E}">
-        <p14:creationId xmlns="" xmlns:p14="http://schemas.microsoft.com/office/powerpoint/2010/main" val="1065683562"/>
+        <p14:creationId xmlns:p14="http://schemas.microsoft.com/office/powerpoint/2010/main" val="1065683562"/>
       </p:ext>
     </p:extLst>
   </p:cSld>
@@ -6483,7 +6483,7 @@
             <a:fld id="{1BEFD22E-9963-4CED-9FC2-2E3075A02966}" type="datetime1">
               <a:rPr lang="en-US" smtClean="0"/>
               <a:pPr/>
-              <a:t>2/2/2014</a:t>
+              <a:t>2/5/2014</a:t>
             </a:fld>
             <a:endParaRPr lang="en-US" dirty="0"/>
           </a:p>
@@ -6539,7 +6539,7 @@
     </p:spTree>
     <p:extLst>
       <p:ext uri="{BB962C8B-B14F-4D97-AF65-F5344CB8AC3E}">
-        <p14:creationId xmlns="" xmlns:p14="http://schemas.microsoft.com/office/powerpoint/2010/main" val="1562412963"/>
+        <p14:creationId xmlns:p14="http://schemas.microsoft.com/office/powerpoint/2010/main" val="1562412963"/>
       </p:ext>
     </p:extLst>
   </p:cSld>
@@ -6607,7 +6607,7 @@
             <a:fld id="{5BC33B41-A130-4E39-B86C-FB5FFDE60F1F}" type="datetime1">
               <a:rPr lang="en-US" smtClean="0"/>
               <a:pPr/>
-              <a:t>2/2/2014</a:t>
+              <a:t>2/5/2014</a:t>
             </a:fld>
             <a:endParaRPr lang="en-US" dirty="0"/>
           </a:p>
@@ -6663,7 +6663,7 @@
     </p:spTree>
     <p:extLst>
       <p:ext uri="{BB962C8B-B14F-4D97-AF65-F5344CB8AC3E}">
-        <p14:creationId xmlns="" xmlns:p14="http://schemas.microsoft.com/office/powerpoint/2010/main" val="1854379017"/>
+        <p14:creationId xmlns:p14="http://schemas.microsoft.com/office/powerpoint/2010/main" val="1854379017"/>
       </p:ext>
     </p:extLst>
   </p:cSld>
@@ -6708,7 +6708,7 @@
             <a:fld id="{42D6AD49-BD3A-498B-B781-4810DC727671}" type="datetime1">
               <a:rPr lang="en-US" smtClean="0"/>
               <a:pPr/>
-              <a:t>2/2/2014</a:t>
+              <a:t>2/5/2014</a:t>
             </a:fld>
             <a:endParaRPr lang="en-US" dirty="0"/>
           </a:p>
@@ -6764,7 +6764,7 @@
     </p:spTree>
     <p:extLst>
       <p:ext uri="{BB962C8B-B14F-4D97-AF65-F5344CB8AC3E}">
-        <p14:creationId xmlns="" xmlns:p14="http://schemas.microsoft.com/office/powerpoint/2010/main" val="1574061070"/>
+        <p14:creationId xmlns:p14="http://schemas.microsoft.com/office/powerpoint/2010/main" val="1574061070"/>
       </p:ext>
     </p:extLst>
   </p:cSld>
@@ -6991,7 +6991,7 @@
             <a:fld id="{37628CC8-F090-4A8D-9E0F-AB8C06110913}" type="datetime1">
               <a:rPr lang="en-US" smtClean="0"/>
               <a:pPr/>
-              <a:t>2/2/2014</a:t>
+              <a:t>2/5/2014</a:t>
             </a:fld>
             <a:endParaRPr lang="en-US" dirty="0"/>
           </a:p>
@@ -7047,7 +7047,7 @@
     </p:spTree>
     <p:extLst>
       <p:ext uri="{BB962C8B-B14F-4D97-AF65-F5344CB8AC3E}">
-        <p14:creationId xmlns="" xmlns:p14="http://schemas.microsoft.com/office/powerpoint/2010/main" val="2582667343"/>
+        <p14:creationId xmlns:p14="http://schemas.microsoft.com/office/powerpoint/2010/main" val="2582667343"/>
       </p:ext>
     </p:extLst>
   </p:cSld>
@@ -7250,7 +7250,7 @@
             <a:fld id="{797D8C8D-D2E4-4323-A1E7-2EA940EE4F4A}" type="datetime1">
               <a:rPr lang="en-US" smtClean="0"/>
               <a:pPr/>
-              <a:t>2/2/2014</a:t>
+              <a:t>2/5/2014</a:t>
             </a:fld>
             <a:endParaRPr lang="en-US" dirty="0"/>
           </a:p>
@@ -7306,7 +7306,7 @@
     </p:spTree>
     <p:extLst>
       <p:ext uri="{BB962C8B-B14F-4D97-AF65-F5344CB8AC3E}">
-        <p14:creationId xmlns="" xmlns:p14="http://schemas.microsoft.com/office/powerpoint/2010/main" val="717844898"/>
+        <p14:creationId xmlns:p14="http://schemas.microsoft.com/office/powerpoint/2010/main" val="717844898"/>
       </p:ext>
     </p:extLst>
   </p:cSld>
@@ -7474,7 +7474,7 @@
             <a:fld id="{B17C6163-2529-4B61-A8E8-0CE538073311}" type="datetime1">
               <a:rPr lang="en-US" smtClean="0"/>
               <a:pPr/>
-              <a:t>2/2/2014</a:t>
+              <a:t>2/5/2014</a:t>
             </a:fld>
             <a:endParaRPr lang="en-US" dirty="0"/>
           </a:p>
@@ -7566,7 +7566,7 @@
     </p:spTree>
     <p:extLst>
       <p:ext uri="{BB962C8B-B14F-4D97-AF65-F5344CB8AC3E}">
-        <p14:creationId xmlns="" xmlns:p14="http://schemas.microsoft.com/office/powerpoint/2010/main" val="3455915201"/>
+        <p14:creationId xmlns:p14="http://schemas.microsoft.com/office/powerpoint/2010/main" val="3455915201"/>
       </p:ext>
     </p:extLst>
   </p:cSld>
@@ -7878,9 +7878,82 @@
         </p:xfrm>
         <a:graphic>
           <a:graphicData uri="http://schemas.openxmlformats.org/presentationml/2006/ole">
-            <p:oleObj spid="_x0000_s2055" name="Image" r:id="rId16" imgW="13003175" imgH="2577778" progId="">
-              <p:embed/>
-            </p:oleObj>
+            <mc:AlternateContent xmlns:mc="http://schemas.openxmlformats.org/markup-compatibility/2006">
+              <mc:Choice xmlns:v="urn:schemas-microsoft-com:vml" Requires="v">
+                <p:oleObj spid="_x0000_s2056" name="Image" r:id="rId16" imgW="13003175" imgH="2577778" progId="">
+                  <p:embed/>
+                </p:oleObj>
+              </mc:Choice>
+              <mc:Fallback>
+                <p:oleObj name="Image" r:id="rId16" imgW="13003175" imgH="2577778" progId="">
+                  <p:embed/>
+                  <p:pic>
+                    <p:nvPicPr>
+                      <p:cNvPr id="0" name="Picture 7"/>
+                      <p:cNvPicPr>
+                        <a:picLocks noChangeAspect="1" noChangeArrowheads="1"/>
+                      </p:cNvPicPr>
+                      <p:nvPr/>
+                    </p:nvPicPr>
+                    <p:blipFill>
+                      <a:blip r:embed="rId17">
+                        <a:extLst>
+                          <a:ext uri="{28A0092B-C50C-407E-A947-70E740481C1C}">
+                            <a14:useLocalDpi xmlns:a14="http://schemas.microsoft.com/office/drawing/2010/main" val="0"/>
+                          </a:ext>
+                        </a:extLst>
+                      </a:blip>
+                      <a:srcRect/>
+                      <a:stretch>
+                        <a:fillRect/>
+                      </a:stretch>
+                    </p:blipFill>
+                    <p:spPr bwMode="auto">
+                      <a:xfrm>
+                        <a:off x="0" y="0"/>
+                        <a:ext cx="9144000" cy="1600200"/>
+                      </a:xfrm>
+                      <a:prstGeom prst="rect">
+                        <a:avLst/>
+                      </a:prstGeom>
+                      <a:noFill/>
+                      <a:ln>
+                        <a:noFill/>
+                      </a:ln>
+                      <a:effectLst/>
+                      <a:extLst>
+                        <a:ext uri="{909E8E84-426E-40DD-AFC4-6F175D3DCCD1}">
+                          <a14:hiddenFill xmlns:a14="http://schemas.microsoft.com/office/drawing/2010/main">
+                            <a:solidFill>
+                              <a:srgbClr val="229450"/>
+                            </a:solidFill>
+                          </a14:hiddenFill>
+                        </a:ext>
+                        <a:ext uri="{91240B29-F687-4F45-9708-019B960494DF}">
+                          <a14:hiddenLine xmlns:a14="http://schemas.microsoft.com/office/drawing/2010/main" w="9525">
+                            <a:solidFill>
+                              <a:schemeClr val="tx1"/>
+                            </a:solidFill>
+                            <a:miter lim="800000"/>
+                            <a:headEnd/>
+                            <a:tailEnd/>
+                          </a14:hiddenLine>
+                        </a:ext>
+                        <a:ext uri="{AF507438-7753-43E0-B8FC-AC1667EBCBE1}">
+                          <a14:hiddenEffects xmlns:a14="http://schemas.microsoft.com/office/drawing/2010/main">
+                            <a:effectLst>
+                              <a:outerShdw dist="35921" dir="2700000" algn="ctr" rotWithShape="0">
+                                <a:srgbClr val="C0C0C0"/>
+                              </a:outerShdw>
+                            </a:effectLst>
+                          </a14:hiddenEffects>
+                        </a:ext>
+                      </a:extLst>
+                    </p:spPr>
+                  </p:pic>
+                </p:oleObj>
+              </mc:Fallback>
+            </mc:AlternateContent>
           </a:graphicData>
         </a:graphic>
       </p:graphicFrame>
@@ -8147,7 +8220,7 @@
             <a:fld id="{ADEF9FCB-34D4-41E4-B671-A5C24C3DAFBF}" type="datetime1">
               <a:rPr lang="en-US" smtClean="0"/>
               <a:pPr/>
-              <a:t>2/2/2014</a:t>
+              <a:t>2/5/2014</a:t>
             </a:fld>
             <a:endParaRPr lang="en-US" dirty="0"/>
           </a:p>
@@ -8223,7 +8296,7 @@
           <p:nvPr/>
         </p:nvPicPr>
         <p:blipFill>
-          <a:blip r:embed="rId17"/>
+          <a:blip r:embed="rId18"/>
           <a:srcRect/>
           <a:stretch>
             <a:fillRect/>
@@ -8712,7 +8785,7 @@
     </p:spTree>
     <p:extLst>
       <p:ext uri="{BB962C8B-B14F-4D97-AF65-F5344CB8AC3E}">
-        <p14:creationId xmlns="" xmlns:p14="http://schemas.microsoft.com/office/powerpoint/2010/main" val="3646479613"/>
+        <p14:creationId xmlns:p14="http://schemas.microsoft.com/office/powerpoint/2010/main" val="3646479613"/>
       </p:ext>
     </p:extLst>
   </p:cSld>
@@ -9350,7 +9423,7 @@
     </p:spTree>
     <p:extLst>
       <p:ext uri="{BB962C8B-B14F-4D97-AF65-F5344CB8AC3E}">
-        <p14:creationId xmlns="" xmlns:p14="http://schemas.microsoft.com/office/powerpoint/2010/main" val="1350388293"/>
+        <p14:creationId xmlns:p14="http://schemas.microsoft.com/office/powerpoint/2010/main" val="1350388293"/>
       </p:ext>
     </p:extLst>
   </p:cSld>
@@ -9464,7 +9537,7 @@
           <p:nvPr>
             <p:extLst>
               <p:ext uri="{D42A27DB-BD31-4B8C-83A1-F6EECF244321}">
-                <p14:modId xmlns:p14="http://schemas.microsoft.com/office/powerpoint/2010/main" xmlns="" val="643165917"/>
+                <p14:modId xmlns:p14="http://schemas.microsoft.com/office/powerpoint/2010/main" val="643165917"/>
               </p:ext>
             </p:extLst>
           </p:nvPr>
@@ -9578,7 +9651,7 @@
     </p:spTree>
     <p:extLst>
       <p:ext uri="{BB962C8B-B14F-4D97-AF65-F5344CB8AC3E}">
-        <p14:creationId xmlns:p14="http://schemas.microsoft.com/office/powerpoint/2010/main" xmlns="" val="524863454"/>
+        <p14:creationId xmlns:p14="http://schemas.microsoft.com/office/powerpoint/2010/main" val="524863454"/>
       </p:ext>
     </p:extLst>
   </p:cSld>
@@ -9701,7 +9774,7 @@
     </p:spTree>
     <p:extLst>
       <p:ext uri="{BB962C8B-B14F-4D97-AF65-F5344CB8AC3E}">
-        <p14:creationId xmlns:p14="http://schemas.microsoft.com/office/powerpoint/2010/main" xmlns="" val="784991389"/>
+        <p14:creationId xmlns:p14="http://schemas.microsoft.com/office/powerpoint/2010/main" val="784991389"/>
       </p:ext>
     </p:extLst>
   </p:cSld>
@@ -9835,7 +9908,7 @@
           <p:nvPr>
             <p:extLst>
               <p:ext uri="{D42A27DB-BD31-4B8C-83A1-F6EECF244321}">
-                <p14:modId xmlns:p14="http://schemas.microsoft.com/office/powerpoint/2010/main" xmlns="" val="3705464937"/>
+                <p14:modId xmlns:p14="http://schemas.microsoft.com/office/powerpoint/2010/main" val="3705464937"/>
               </p:ext>
             </p:extLst>
           </p:nvPr>
@@ -10169,7 +10242,7 @@
     </p:spTree>
     <p:extLst>
       <p:ext uri="{BB962C8B-B14F-4D97-AF65-F5344CB8AC3E}">
-        <p14:creationId xmlns:p14="http://schemas.microsoft.com/office/powerpoint/2010/main" xmlns="" val="267815357"/>
+        <p14:creationId xmlns:p14="http://schemas.microsoft.com/office/powerpoint/2010/main" val="267815357"/>
       </p:ext>
     </p:extLst>
   </p:cSld>
@@ -10276,7 +10349,7 @@
           <p:nvPr>
             <p:extLst>
               <p:ext uri="{D42A27DB-BD31-4B8C-83A1-F6EECF244321}">
-                <p14:modId xmlns:p14="http://schemas.microsoft.com/office/powerpoint/2010/main" xmlns="" val="4209095970"/>
+                <p14:modId xmlns:p14="http://schemas.microsoft.com/office/powerpoint/2010/main" val="4209095970"/>
               </p:ext>
             </p:extLst>
           </p:nvPr>
@@ -10419,7 +10492,7 @@
     </p:spTree>
     <p:extLst>
       <p:ext uri="{BB962C8B-B14F-4D97-AF65-F5344CB8AC3E}">
-        <p14:creationId xmlns:p14="http://schemas.microsoft.com/office/powerpoint/2010/main" xmlns="" val="1520476783"/>
+        <p14:creationId xmlns:p14="http://schemas.microsoft.com/office/powerpoint/2010/main" val="1520476783"/>
       </p:ext>
     </p:extLst>
   </p:cSld>
@@ -10538,7 +10611,7 @@
     </p:spTree>
     <p:extLst>
       <p:ext uri="{BB962C8B-B14F-4D97-AF65-F5344CB8AC3E}">
-        <p14:creationId xmlns:p14="http://schemas.microsoft.com/office/powerpoint/2010/main" xmlns="" val="499340444"/>
+        <p14:creationId xmlns:p14="http://schemas.microsoft.com/office/powerpoint/2010/main" val="499340444"/>
       </p:ext>
     </p:extLst>
   </p:cSld>
@@ -10651,7 +10724,7 @@
           <p:nvPr>
             <p:extLst>
               <p:ext uri="{D42A27DB-BD31-4B8C-83A1-F6EECF244321}">
-                <p14:modId xmlns:p14="http://schemas.microsoft.com/office/powerpoint/2010/main" xmlns="" val="3622655741"/>
+                <p14:modId xmlns:p14="http://schemas.microsoft.com/office/powerpoint/2010/main" val="3622655741"/>
               </p:ext>
             </p:extLst>
           </p:nvPr>
@@ -10978,7 +11051,7 @@
     </p:spTree>
     <p:extLst>
       <p:ext uri="{BB962C8B-B14F-4D97-AF65-F5344CB8AC3E}">
-        <p14:creationId xmlns:p14="http://schemas.microsoft.com/office/powerpoint/2010/main" xmlns="" val="3584916367"/>
+        <p14:creationId xmlns:p14="http://schemas.microsoft.com/office/powerpoint/2010/main" val="3584916367"/>
       </p:ext>
     </p:extLst>
   </p:cSld>
@@ -11085,7 +11158,7 @@
           <p:nvPr>
             <p:extLst>
               <p:ext uri="{D42A27DB-BD31-4B8C-83A1-F6EECF244321}">
-                <p14:modId xmlns:p14="http://schemas.microsoft.com/office/powerpoint/2010/main" xmlns="" val="2253578874"/>
+                <p14:modId xmlns:p14="http://schemas.microsoft.com/office/powerpoint/2010/main" val="2253578874"/>
               </p:ext>
             </p:extLst>
           </p:nvPr>
@@ -11220,7 +11293,7 @@
     </p:spTree>
     <p:extLst>
       <p:ext uri="{BB962C8B-B14F-4D97-AF65-F5344CB8AC3E}">
-        <p14:creationId xmlns:p14="http://schemas.microsoft.com/office/powerpoint/2010/main" xmlns="" val="1514795805"/>
+        <p14:creationId xmlns:p14="http://schemas.microsoft.com/office/powerpoint/2010/main" val="1514795805"/>
       </p:ext>
     </p:extLst>
   </p:cSld>
@@ -11331,7 +11404,7 @@
     </p:spTree>
     <p:extLst>
       <p:ext uri="{BB962C8B-B14F-4D97-AF65-F5344CB8AC3E}">
-        <p14:creationId xmlns:p14="http://schemas.microsoft.com/office/powerpoint/2010/main" xmlns="" val="3159039633"/>
+        <p14:creationId xmlns:p14="http://schemas.microsoft.com/office/powerpoint/2010/main" val="3159039633"/>
       </p:ext>
     </p:extLst>
   </p:cSld>
@@ -11444,7 +11517,7 @@
           <p:nvPr>
             <p:extLst>
               <p:ext uri="{D42A27DB-BD31-4B8C-83A1-F6EECF244321}">
-                <p14:modId xmlns:p14="http://schemas.microsoft.com/office/powerpoint/2010/main" xmlns="" val="3480098655"/>
+                <p14:modId xmlns:p14="http://schemas.microsoft.com/office/powerpoint/2010/main" val="3480098655"/>
               </p:ext>
             </p:extLst>
           </p:nvPr>
@@ -11771,7 +11844,7 @@
     </p:spTree>
     <p:extLst>
       <p:ext uri="{BB962C8B-B14F-4D97-AF65-F5344CB8AC3E}">
-        <p14:creationId xmlns:p14="http://schemas.microsoft.com/office/powerpoint/2010/main" xmlns="" val="394733770"/>
+        <p14:creationId xmlns:p14="http://schemas.microsoft.com/office/powerpoint/2010/main" val="394733770"/>
       </p:ext>
     </p:extLst>
   </p:cSld>
@@ -11882,7 +11955,7 @@
           <p:nvPr>
             <p:extLst>
               <p:ext uri="{D42A27DB-BD31-4B8C-83A1-F6EECF244321}">
-                <p14:modId xmlns:p14="http://schemas.microsoft.com/office/powerpoint/2010/main" xmlns="" val="3399024471"/>
+                <p14:modId xmlns:p14="http://schemas.microsoft.com/office/powerpoint/2010/main" val="3399024471"/>
               </p:ext>
             </p:extLst>
           </p:nvPr>
@@ -12035,7 +12108,7 @@
     </p:spTree>
     <p:extLst>
       <p:ext uri="{BB962C8B-B14F-4D97-AF65-F5344CB8AC3E}">
-        <p14:creationId xmlns:p14="http://schemas.microsoft.com/office/powerpoint/2010/main" xmlns="" val="2741413304"/>
+        <p14:creationId xmlns:p14="http://schemas.microsoft.com/office/powerpoint/2010/main" val="2741413304"/>
       </p:ext>
     </p:extLst>
   </p:cSld>
@@ -12418,7 +12491,7 @@
     </p:spTree>
     <p:extLst>
       <p:ext uri="{BB962C8B-B14F-4D97-AF65-F5344CB8AC3E}">
-        <p14:creationId xmlns:p14="http://schemas.microsoft.com/office/powerpoint/2010/main" xmlns="" val="3881760995"/>
+        <p14:creationId xmlns:p14="http://schemas.microsoft.com/office/powerpoint/2010/main" val="3881760995"/>
       </p:ext>
     </p:extLst>
   </p:cSld>
@@ -12546,7 +12619,7 @@
     </p:spTree>
     <p:extLst>
       <p:ext uri="{BB962C8B-B14F-4D97-AF65-F5344CB8AC3E}">
-        <p14:creationId xmlns="" xmlns:p14="http://schemas.microsoft.com/office/powerpoint/2010/main" val="3551023767"/>
+        <p14:creationId xmlns:p14="http://schemas.microsoft.com/office/powerpoint/2010/main" val="3551023767"/>
       </p:ext>
     </p:extLst>
   </p:cSld>
@@ -12976,7 +13049,7 @@
     </p:spTree>
     <p:extLst>
       <p:ext uri="{BB962C8B-B14F-4D97-AF65-F5344CB8AC3E}">
-        <p14:creationId xmlns="" xmlns:p14="http://schemas.microsoft.com/office/powerpoint/2010/main" val="3551023767"/>
+        <p14:creationId xmlns:p14="http://schemas.microsoft.com/office/powerpoint/2010/main" val="3551023767"/>
       </p:ext>
     </p:extLst>
   </p:cSld>
@@ -13725,7 +13798,7 @@
     </p:spTree>
     <p:extLst>
       <p:ext uri="{BB962C8B-B14F-4D97-AF65-F5344CB8AC3E}">
-        <p14:creationId xmlns="" xmlns:p14="http://schemas.microsoft.com/office/powerpoint/2010/main" val="1350388293"/>
+        <p14:creationId xmlns:p14="http://schemas.microsoft.com/office/powerpoint/2010/main" val="1350388293"/>
       </p:ext>
     </p:extLst>
   </p:cSld>
@@ -14160,7 +14233,7 @@
     </p:spTree>
     <p:extLst>
       <p:ext uri="{BB962C8B-B14F-4D97-AF65-F5344CB8AC3E}">
-        <p14:creationId xmlns="" xmlns:p14="http://schemas.microsoft.com/office/powerpoint/2010/main" val="3551023767"/>
+        <p14:creationId xmlns:p14="http://schemas.microsoft.com/office/powerpoint/2010/main" val="3551023767"/>
       </p:ext>
     </p:extLst>
   </p:cSld>
@@ -15402,7 +15475,7 @@
     </p:spTree>
     <p:extLst>
       <p:ext uri="{BB962C8B-B14F-4D97-AF65-F5344CB8AC3E}">
-        <p14:creationId xmlns="" xmlns:p14="http://schemas.microsoft.com/office/powerpoint/2010/main" val="1350388293"/>
+        <p14:creationId xmlns:p14="http://schemas.microsoft.com/office/powerpoint/2010/main" val="1350388293"/>
       </p:ext>
     </p:extLst>
   </p:cSld>
@@ -15762,7 +15835,7 @@
     </p:spTree>
     <p:extLst>
       <p:ext uri="{BB962C8B-B14F-4D97-AF65-F5344CB8AC3E}">
-        <p14:creationId xmlns="" xmlns:p14="http://schemas.microsoft.com/office/powerpoint/2010/main" val="3551023767"/>
+        <p14:creationId xmlns:p14="http://schemas.microsoft.com/office/powerpoint/2010/main" val="3551023767"/>
       </p:ext>
     </p:extLst>
   </p:cSld>
@@ -16500,7 +16573,7 @@
     </p:spTree>
     <p:extLst>
       <p:ext uri="{BB962C8B-B14F-4D97-AF65-F5344CB8AC3E}">
-        <p14:creationId xmlns="" xmlns:p14="http://schemas.microsoft.com/office/powerpoint/2010/main" val="1350388293"/>
+        <p14:creationId xmlns:p14="http://schemas.microsoft.com/office/powerpoint/2010/main" val="1350388293"/>
       </p:ext>
     </p:extLst>
   </p:cSld>
@@ -16904,7 +16977,7 @@
     </p:spTree>
     <p:extLst>
       <p:ext uri="{BB962C8B-B14F-4D97-AF65-F5344CB8AC3E}">
-        <p14:creationId xmlns="" xmlns:p14="http://schemas.microsoft.com/office/powerpoint/2010/main" val="3551023767"/>
+        <p14:creationId xmlns:p14="http://schemas.microsoft.com/office/powerpoint/2010/main" val="3551023767"/>
       </p:ext>
     </p:extLst>
   </p:cSld>
@@ -17616,7 +17689,7 @@
     </p:spTree>
     <p:extLst>
       <p:ext uri="{BB962C8B-B14F-4D97-AF65-F5344CB8AC3E}">
-        <p14:creationId xmlns="" xmlns:p14="http://schemas.microsoft.com/office/powerpoint/2010/main" val="1350388293"/>
+        <p14:creationId xmlns:p14="http://schemas.microsoft.com/office/powerpoint/2010/main" val="1350388293"/>
       </p:ext>
     </p:extLst>
   </p:cSld>
@@ -18293,7 +18366,7 @@
     </p:spTree>
     <p:extLst>
       <p:ext uri="{BB962C8B-B14F-4D97-AF65-F5344CB8AC3E}">
-        <p14:creationId xmlns="" xmlns:p14="http://schemas.microsoft.com/office/powerpoint/2010/main" val="3551023767"/>
+        <p14:creationId xmlns:p14="http://schemas.microsoft.com/office/powerpoint/2010/main" val="3551023767"/>
       </p:ext>
     </p:extLst>
   </p:cSld>
@@ -19008,7 +19081,7 @@
     </p:spTree>
     <p:extLst>
       <p:ext uri="{BB962C8B-B14F-4D97-AF65-F5344CB8AC3E}">
-        <p14:creationId xmlns="" xmlns:p14="http://schemas.microsoft.com/office/powerpoint/2010/main" val="1350388293"/>
+        <p14:creationId xmlns:p14="http://schemas.microsoft.com/office/powerpoint/2010/main" val="1350388293"/>
       </p:ext>
     </p:extLst>
   </p:cSld>
@@ -19447,7 +19520,7 @@
     </p:spTree>
     <p:extLst>
       <p:ext uri="{BB962C8B-B14F-4D97-AF65-F5344CB8AC3E}">
-        <p14:creationId xmlns="" xmlns:p14="http://schemas.microsoft.com/office/powerpoint/2010/main" val="3551023767"/>
+        <p14:creationId xmlns:p14="http://schemas.microsoft.com/office/powerpoint/2010/main" val="3551023767"/>
       </p:ext>
     </p:extLst>
   </p:cSld>
@@ -20170,7 +20243,7 @@
     </p:spTree>
     <p:extLst>
       <p:ext uri="{BB962C8B-B14F-4D97-AF65-F5344CB8AC3E}">
-        <p14:creationId xmlns="" xmlns:p14="http://schemas.microsoft.com/office/powerpoint/2010/main" val="1350388293"/>
+        <p14:creationId xmlns:p14="http://schemas.microsoft.com/office/powerpoint/2010/main" val="1350388293"/>
       </p:ext>
     </p:extLst>
   </p:cSld>
@@ -20639,7 +20712,7 @@
     </p:spTree>
     <p:extLst>
       <p:ext uri="{BB962C8B-B14F-4D97-AF65-F5344CB8AC3E}">
-        <p14:creationId xmlns="" xmlns:p14="http://schemas.microsoft.com/office/powerpoint/2010/main" val="3551023767"/>
+        <p14:creationId xmlns:p14="http://schemas.microsoft.com/office/powerpoint/2010/main" val="3551023767"/>
       </p:ext>
     </p:extLst>
   </p:cSld>
@@ -20935,7 +21008,7 @@
     </p:spTree>
     <p:extLst>
       <p:ext uri="{BB962C8B-B14F-4D97-AF65-F5344CB8AC3E}">
-        <p14:creationId xmlns:p14="http://schemas.microsoft.com/office/powerpoint/2010/main" xmlns="" val="3246720412"/>
+        <p14:creationId xmlns:p14="http://schemas.microsoft.com/office/powerpoint/2010/main" val="3246720412"/>
       </p:ext>
     </p:extLst>
   </p:cSld>
@@ -21053,7 +21126,7 @@
     </p:spTree>
     <p:extLst>
       <p:ext uri="{BB962C8B-B14F-4D97-AF65-F5344CB8AC3E}">
-        <p14:creationId xmlns="" xmlns:p14="http://schemas.microsoft.com/office/powerpoint/2010/main" val="900133510"/>
+        <p14:creationId xmlns:p14="http://schemas.microsoft.com/office/powerpoint/2010/main" val="900133510"/>
       </p:ext>
     </p:extLst>
   </p:cSld>
@@ -21127,7 +21200,7 @@
             <p:ph idx="1"/>
             <p:extLst>
               <p:ext uri="{D42A27DB-BD31-4B8C-83A1-F6EECF244321}">
-                <p14:modId xmlns="" xmlns:p14="http://schemas.microsoft.com/office/powerpoint/2010/main" val="1365576108"/>
+                <p14:modId xmlns:p14="http://schemas.microsoft.com/office/powerpoint/2010/main" val="1365576108"/>
               </p:ext>
             </p:extLst>
           </p:nvPr>
@@ -21534,7 +21607,7 @@
     </p:spTree>
     <p:extLst>
       <p:ext uri="{BB962C8B-B14F-4D97-AF65-F5344CB8AC3E}">
-        <p14:creationId xmlns="" xmlns:p14="http://schemas.microsoft.com/office/powerpoint/2010/main" val="3805239682"/>
+        <p14:creationId xmlns:p14="http://schemas.microsoft.com/office/powerpoint/2010/main" val="3805239682"/>
       </p:ext>
     </p:extLst>
   </p:cSld>
@@ -21619,7 +21692,7 @@
             <p:ph idx="1"/>
             <p:extLst>
               <p:ext uri="{D42A27DB-BD31-4B8C-83A1-F6EECF244321}">
-                <p14:modId xmlns="" xmlns:p14="http://schemas.microsoft.com/office/powerpoint/2010/main" val="2894515525"/>
+                <p14:modId xmlns:p14="http://schemas.microsoft.com/office/powerpoint/2010/main" val="2894515525"/>
               </p:ext>
             </p:extLst>
           </p:nvPr>
@@ -21939,7 +22012,7 @@
     </p:spTree>
     <p:extLst>
       <p:ext uri="{BB962C8B-B14F-4D97-AF65-F5344CB8AC3E}">
-        <p14:creationId xmlns="" xmlns:p14="http://schemas.microsoft.com/office/powerpoint/2010/main" val="851234843"/>
+        <p14:creationId xmlns:p14="http://schemas.microsoft.com/office/powerpoint/2010/main" val="851234843"/>
       </p:ext>
     </p:extLst>
   </p:cSld>
@@ -22069,7 +22142,7 @@
     </p:spTree>
     <p:extLst>
       <p:ext uri="{BB962C8B-B14F-4D97-AF65-F5344CB8AC3E}">
-        <p14:creationId xmlns="" xmlns:p14="http://schemas.microsoft.com/office/powerpoint/2010/main" val="3551023767"/>
+        <p14:creationId xmlns:p14="http://schemas.microsoft.com/office/powerpoint/2010/main" val="3551023767"/>
       </p:ext>
     </p:extLst>
   </p:cSld>
@@ -22143,7 +22216,7 @@
             <p:ph idx="1"/>
             <p:extLst>
               <p:ext uri="{D42A27DB-BD31-4B8C-83A1-F6EECF244321}">
-                <p14:modId xmlns="" xmlns:p14="http://schemas.microsoft.com/office/powerpoint/2010/main" val="2544331948"/>
+                <p14:modId xmlns:p14="http://schemas.microsoft.com/office/powerpoint/2010/main" val="2544331948"/>
               </p:ext>
             </p:extLst>
           </p:nvPr>
@@ -22621,7 +22694,7 @@
     </p:spTree>
     <p:extLst>
       <p:ext uri="{BB962C8B-B14F-4D97-AF65-F5344CB8AC3E}">
-        <p14:creationId xmlns="" xmlns:p14="http://schemas.microsoft.com/office/powerpoint/2010/main" val="1350388293"/>
+        <p14:creationId xmlns:p14="http://schemas.microsoft.com/office/powerpoint/2010/main" val="1350388293"/>
       </p:ext>
     </p:extLst>
   </p:cSld>
@@ -22689,7 +22762,7 @@
             <p:ph idx="1"/>
             <p:extLst>
               <p:ext uri="{D42A27DB-BD31-4B8C-83A1-F6EECF244321}">
-                <p14:modId xmlns="" xmlns:p14="http://schemas.microsoft.com/office/powerpoint/2010/main" val="1612112049"/>
+                <p14:modId xmlns:p14="http://schemas.microsoft.com/office/powerpoint/2010/main" val="1612112049"/>
               </p:ext>
             </p:extLst>
           </p:nvPr>
@@ -22996,7 +23069,7 @@
     </p:spTree>
     <p:extLst>
       <p:ext uri="{BB962C8B-B14F-4D97-AF65-F5344CB8AC3E}">
-        <p14:creationId xmlns="" xmlns:p14="http://schemas.microsoft.com/office/powerpoint/2010/main" val="1115289042"/>
+        <p14:creationId xmlns:p14="http://schemas.microsoft.com/office/powerpoint/2010/main" val="1115289042"/>
       </p:ext>
     </p:extLst>
   </p:cSld>
@@ -23070,7 +23143,7 @@
             <p:ph idx="1"/>
             <p:extLst>
               <p:ext uri="{D42A27DB-BD31-4B8C-83A1-F6EECF244321}">
-                <p14:modId xmlns="" xmlns:p14="http://schemas.microsoft.com/office/powerpoint/2010/main" val="764583744"/>
+                <p14:modId xmlns:p14="http://schemas.microsoft.com/office/powerpoint/2010/main" val="764583744"/>
               </p:ext>
             </p:extLst>
           </p:nvPr>
@@ -23515,7 +23588,7 @@
     </p:spTree>
     <p:extLst>
       <p:ext uri="{BB962C8B-B14F-4D97-AF65-F5344CB8AC3E}">
-        <p14:creationId xmlns="" xmlns:p14="http://schemas.microsoft.com/office/powerpoint/2010/main" val="1350388293"/>
+        <p14:creationId xmlns:p14="http://schemas.microsoft.com/office/powerpoint/2010/main" val="1350388293"/>
       </p:ext>
     </p:extLst>
   </p:cSld>
@@ -23590,7 +23663,7 @@
             <p:ph idx="1"/>
             <p:extLst>
               <p:ext uri="{D42A27DB-BD31-4B8C-83A1-F6EECF244321}">
-                <p14:modId xmlns="" xmlns:p14="http://schemas.microsoft.com/office/powerpoint/2010/main" val="1504511759"/>
+                <p14:modId xmlns:p14="http://schemas.microsoft.com/office/powerpoint/2010/main" val="1504511759"/>
               </p:ext>
             </p:extLst>
           </p:nvPr>
@@ -24467,7 +24540,7 @@
             <p:ph idx="1"/>
             <p:extLst>
               <p:ext uri="{D42A27DB-BD31-4B8C-83A1-F6EECF244321}">
-                <p14:modId xmlns="" xmlns:p14="http://schemas.microsoft.com/office/powerpoint/2010/main" val="1593638859"/>
+                <p14:modId xmlns:p14="http://schemas.microsoft.com/office/powerpoint/2010/main" val="1593638859"/>
               </p:ext>
             </p:extLst>
           </p:nvPr>
@@ -24912,7 +24985,7 @@
     </p:spTree>
     <p:extLst>
       <p:ext uri="{BB962C8B-B14F-4D97-AF65-F5344CB8AC3E}">
-        <p14:creationId xmlns="" xmlns:p14="http://schemas.microsoft.com/office/powerpoint/2010/main" val="1350388293"/>
+        <p14:creationId xmlns:p14="http://schemas.microsoft.com/office/powerpoint/2010/main" val="1350388293"/>
       </p:ext>
     </p:extLst>
   </p:cSld>
@@ -24987,7 +25060,7 @@
             <p:ph idx="1"/>
             <p:extLst>
               <p:ext uri="{D42A27DB-BD31-4B8C-83A1-F6EECF244321}">
-                <p14:modId xmlns="" xmlns:p14="http://schemas.microsoft.com/office/powerpoint/2010/main" val="4032333058"/>
+                <p14:modId xmlns:p14="http://schemas.microsoft.com/office/powerpoint/2010/main" val="4032333058"/>
               </p:ext>
             </p:extLst>
           </p:nvPr>
@@ -25155,7 +25228,7 @@
     </p:spTree>
     <p:extLst>
       <p:ext uri="{BB962C8B-B14F-4D97-AF65-F5344CB8AC3E}">
-        <p14:creationId xmlns="" xmlns:p14="http://schemas.microsoft.com/office/powerpoint/2010/main" val="1547955240"/>
+        <p14:creationId xmlns:p14="http://schemas.microsoft.com/office/powerpoint/2010/main" val="1547955240"/>
       </p:ext>
     </p:extLst>
   </p:cSld>
@@ -25352,7 +25425,7 @@
             <p:ph idx="1"/>
             <p:extLst>
               <p:ext uri="{D42A27DB-BD31-4B8C-83A1-F6EECF244321}">
-                <p14:modId xmlns="" xmlns:p14="http://schemas.microsoft.com/office/powerpoint/2010/main" val="3917051446"/>
+                <p14:modId xmlns:p14="http://schemas.microsoft.com/office/powerpoint/2010/main" val="3917051446"/>
               </p:ext>
             </p:extLst>
           </p:nvPr>
@@ -25788,7 +25861,7 @@
     </p:spTree>
     <p:extLst>
       <p:ext uri="{BB962C8B-B14F-4D97-AF65-F5344CB8AC3E}">
-        <p14:creationId xmlns="" xmlns:p14="http://schemas.microsoft.com/office/powerpoint/2010/main" val="1350388293"/>
+        <p14:creationId xmlns:p14="http://schemas.microsoft.com/office/powerpoint/2010/main" val="1350388293"/>
       </p:ext>
     </p:extLst>
   </p:cSld>
@@ -25863,7 +25936,7 @@
             <p:ph idx="1"/>
             <p:extLst>
               <p:ext uri="{D42A27DB-BD31-4B8C-83A1-F6EECF244321}">
-                <p14:modId xmlns="" xmlns:p14="http://schemas.microsoft.com/office/powerpoint/2010/main" val="1088190910"/>
+                <p14:modId xmlns:p14="http://schemas.microsoft.com/office/powerpoint/2010/main" val="1088190910"/>
               </p:ext>
             </p:extLst>
           </p:nvPr>
@@ -26214,7 +26287,7 @@
             <p:ph idx="1"/>
             <p:extLst>
               <p:ext uri="{D42A27DB-BD31-4B8C-83A1-F6EECF244321}">
-                <p14:modId xmlns="" xmlns:p14="http://schemas.microsoft.com/office/powerpoint/2010/main" val="1290988222"/>
+                <p14:modId xmlns:p14="http://schemas.microsoft.com/office/powerpoint/2010/main" val="1290988222"/>
               </p:ext>
             </p:extLst>
           </p:nvPr>
@@ -26650,7 +26723,7 @@
     </p:spTree>
     <p:extLst>
       <p:ext uri="{BB962C8B-B14F-4D97-AF65-F5344CB8AC3E}">
-        <p14:creationId xmlns="" xmlns:p14="http://schemas.microsoft.com/office/powerpoint/2010/main" val="677751159"/>
+        <p14:creationId xmlns:p14="http://schemas.microsoft.com/office/powerpoint/2010/main" val="677751159"/>
       </p:ext>
     </p:extLst>
   </p:cSld>
@@ -26725,7 +26798,7 @@
             <p:ph idx="1"/>
             <p:extLst>
               <p:ext uri="{D42A27DB-BD31-4B8C-83A1-F6EECF244321}">
-                <p14:modId xmlns="" xmlns:p14="http://schemas.microsoft.com/office/powerpoint/2010/main" val="162309174"/>
+                <p14:modId xmlns:p14="http://schemas.microsoft.com/office/powerpoint/2010/main" val="162309174"/>
               </p:ext>
             </p:extLst>
           </p:nvPr>
@@ -26846,7 +26919,7 @@
     </p:spTree>
     <p:extLst>
       <p:ext uri="{BB962C8B-B14F-4D97-AF65-F5344CB8AC3E}">
-        <p14:creationId xmlns="" xmlns:p14="http://schemas.microsoft.com/office/powerpoint/2010/main" val="803431835"/>
+        <p14:creationId xmlns:p14="http://schemas.microsoft.com/office/powerpoint/2010/main" val="803431835"/>
       </p:ext>
     </p:extLst>
   </p:cSld>
@@ -26982,7 +27055,7 @@
     </p:spTree>
     <p:extLst>
       <p:ext uri="{BB962C8B-B14F-4D97-AF65-F5344CB8AC3E}">
-        <p14:creationId xmlns="" xmlns:p14="http://schemas.microsoft.com/office/powerpoint/2010/main" val="3706760840"/>
+        <p14:creationId xmlns:p14="http://schemas.microsoft.com/office/powerpoint/2010/main" val="3706760840"/>
       </p:ext>
     </p:extLst>
   </p:cSld>
@@ -27056,7 +27129,7 @@
             <p:ph idx="1"/>
             <p:extLst>
               <p:ext uri="{D42A27DB-BD31-4B8C-83A1-F6EECF244321}">
-                <p14:modId xmlns="" xmlns:p14="http://schemas.microsoft.com/office/powerpoint/2010/main" val="619737994"/>
+                <p14:modId xmlns:p14="http://schemas.microsoft.com/office/powerpoint/2010/main" val="619737994"/>
               </p:ext>
             </p:extLst>
           </p:nvPr>
@@ -27479,7 +27552,7 @@
     </p:spTree>
     <p:extLst>
       <p:ext uri="{BB962C8B-B14F-4D97-AF65-F5344CB8AC3E}">
-        <p14:creationId xmlns="" xmlns:p14="http://schemas.microsoft.com/office/powerpoint/2010/main" val="577499588"/>
+        <p14:creationId xmlns:p14="http://schemas.microsoft.com/office/powerpoint/2010/main" val="577499588"/>
       </p:ext>
     </p:extLst>
   </p:cSld>
@@ -27646,7 +27719,7 @@
     </p:spTree>
     <p:extLst>
       <p:ext uri="{BB962C8B-B14F-4D97-AF65-F5344CB8AC3E}">
-        <p14:creationId xmlns="" xmlns:p14="http://schemas.microsoft.com/office/powerpoint/2010/main" val="3805239682"/>
+        <p14:creationId xmlns:p14="http://schemas.microsoft.com/office/powerpoint/2010/main" val="3805239682"/>
       </p:ext>
     </p:extLst>
   </p:cSld>
@@ -27721,7 +27794,7 @@
             <p:ph idx="1"/>
             <p:extLst>
               <p:ext uri="{D42A27DB-BD31-4B8C-83A1-F6EECF244321}">
-                <p14:modId xmlns="" xmlns:p14="http://schemas.microsoft.com/office/powerpoint/2010/main" val="3304980095"/>
+                <p14:modId xmlns:p14="http://schemas.microsoft.com/office/powerpoint/2010/main" val="3304980095"/>
               </p:ext>
             </p:extLst>
           </p:nvPr>
@@ -27921,7 +27994,7 @@
     </p:spTree>
     <p:extLst>
       <p:ext uri="{BB962C8B-B14F-4D97-AF65-F5344CB8AC3E}">
-        <p14:creationId xmlns="" xmlns:p14="http://schemas.microsoft.com/office/powerpoint/2010/main" val="2896807869"/>
+        <p14:creationId xmlns:p14="http://schemas.microsoft.com/office/powerpoint/2010/main" val="2896807869"/>
       </p:ext>
     </p:extLst>
   </p:cSld>
@@ -28049,7 +28122,7 @@
     </p:spTree>
     <p:extLst>
       <p:ext uri="{BB962C8B-B14F-4D97-AF65-F5344CB8AC3E}">
-        <p14:creationId xmlns="" xmlns:p14="http://schemas.microsoft.com/office/powerpoint/2010/main" val="3998350990"/>
+        <p14:creationId xmlns:p14="http://schemas.microsoft.com/office/powerpoint/2010/main" val="3998350990"/>
       </p:ext>
     </p:extLst>
   </p:cSld>
@@ -28624,7 +28697,7 @@
     </p:spTree>
     <p:extLst>
       <p:ext uri="{BB962C8B-B14F-4D97-AF65-F5344CB8AC3E}">
-        <p14:creationId xmlns="" xmlns:p14="http://schemas.microsoft.com/office/powerpoint/2010/main" val="2343376352"/>
+        <p14:creationId xmlns:p14="http://schemas.microsoft.com/office/powerpoint/2010/main" val="2343376352"/>
       </p:ext>
     </p:extLst>
   </p:cSld>
@@ -29145,7 +29218,7 @@
     </p:spTree>
     <p:extLst>
       <p:ext uri="{BB962C8B-B14F-4D97-AF65-F5344CB8AC3E}">
-        <p14:creationId xmlns="" xmlns:p14="http://schemas.microsoft.com/office/powerpoint/2010/main" val="3294617461"/>
+        <p14:creationId xmlns:p14="http://schemas.microsoft.com/office/powerpoint/2010/main" val="3294617461"/>
       </p:ext>
     </p:extLst>
   </p:cSld>
@@ -29936,7 +30009,7 @@
     </p:spTree>
     <p:extLst>
       <p:ext uri="{BB962C8B-B14F-4D97-AF65-F5344CB8AC3E}">
-        <p14:creationId xmlns="" xmlns:p14="http://schemas.microsoft.com/office/powerpoint/2010/main" val="3294617461"/>
+        <p14:creationId xmlns:p14="http://schemas.microsoft.com/office/powerpoint/2010/main" val="3294617461"/>
       </p:ext>
     </p:extLst>
   </p:cSld>
@@ -31058,7 +31131,7 @@
     </p:spTree>
     <p:extLst>
       <p:ext uri="{BB962C8B-B14F-4D97-AF65-F5344CB8AC3E}">
-        <p14:creationId xmlns="" xmlns:p14="http://schemas.microsoft.com/office/powerpoint/2010/main" val="3805239682"/>
+        <p14:creationId xmlns:p14="http://schemas.microsoft.com/office/powerpoint/2010/main" val="3805239682"/>
       </p:ext>
     </p:extLst>
   </p:cSld>
@@ -31464,7 +31537,7 @@
     </p:spTree>
     <p:extLst>
       <p:ext uri="{BB962C8B-B14F-4D97-AF65-F5344CB8AC3E}">
-        <p14:creationId xmlns="" xmlns:p14="http://schemas.microsoft.com/office/powerpoint/2010/main" val="3294617461"/>
+        <p14:creationId xmlns:p14="http://schemas.microsoft.com/office/powerpoint/2010/main" val="3294617461"/>
       </p:ext>
     </p:extLst>
   </p:cSld>
@@ -32294,7 +32367,7 @@
     </p:spTree>
     <p:extLst>
       <p:ext uri="{BB962C8B-B14F-4D97-AF65-F5344CB8AC3E}">
-        <p14:creationId xmlns="" xmlns:p14="http://schemas.microsoft.com/office/powerpoint/2010/main" val="3294617461"/>
+        <p14:creationId xmlns:p14="http://schemas.microsoft.com/office/powerpoint/2010/main" val="3294617461"/>
       </p:ext>
     </p:extLst>
   </p:cSld>
@@ -33374,7 +33447,7 @@
     </p:spTree>
     <p:extLst>
       <p:ext uri="{BB962C8B-B14F-4D97-AF65-F5344CB8AC3E}">
-        <p14:creationId xmlns:p14="http://schemas.microsoft.com/office/powerpoint/2010/main" xmlns="" val="2343376352"/>
+        <p14:creationId xmlns:p14="http://schemas.microsoft.com/office/powerpoint/2010/main" val="2343376352"/>
       </p:ext>
     </p:extLst>
   </p:cSld>
@@ -34330,7 +34403,7 @@
     </p:spTree>
     <p:extLst>
       <p:ext uri="{BB962C8B-B14F-4D97-AF65-F5344CB8AC3E}">
-        <p14:creationId xmlns:p14="http://schemas.microsoft.com/office/powerpoint/2010/main" xmlns="" val="3294617461"/>
+        <p14:creationId xmlns:p14="http://schemas.microsoft.com/office/powerpoint/2010/main" val="3294617461"/>
       </p:ext>
     </p:extLst>
   </p:cSld>
@@ -34832,7 +34905,7 @@
     </p:spTree>
     <p:extLst>
       <p:ext uri="{BB962C8B-B14F-4D97-AF65-F5344CB8AC3E}">
-        <p14:creationId xmlns="" xmlns:p14="http://schemas.microsoft.com/office/powerpoint/2010/main" val="3805239682"/>
+        <p14:creationId xmlns:p14="http://schemas.microsoft.com/office/powerpoint/2010/main" val="3805239682"/>
       </p:ext>
     </p:extLst>
   </p:cSld>
@@ -35640,7 +35713,7 @@
     </p:spTree>
     <p:extLst>
       <p:ext uri="{BB962C8B-B14F-4D97-AF65-F5344CB8AC3E}">
-        <p14:creationId xmlns:p14="http://schemas.microsoft.com/office/powerpoint/2010/main" xmlns="" val="3294617461"/>
+        <p14:creationId xmlns:p14="http://schemas.microsoft.com/office/powerpoint/2010/main" val="3294617461"/>
       </p:ext>
     </p:extLst>
   </p:cSld>
@@ -36425,7 +36498,7 @@
     </p:spTree>
     <p:extLst>
       <p:ext uri="{BB962C8B-B14F-4D97-AF65-F5344CB8AC3E}">
-        <p14:creationId xmlns:p14="http://schemas.microsoft.com/office/powerpoint/2010/main" xmlns="" val="3294617461"/>
+        <p14:creationId xmlns:p14="http://schemas.microsoft.com/office/powerpoint/2010/main" val="3294617461"/>
       </p:ext>
     </p:extLst>
   </p:cSld>
@@ -37301,7 +37374,7 @@
     </p:spTree>
     <p:extLst>
       <p:ext uri="{BB962C8B-B14F-4D97-AF65-F5344CB8AC3E}">
-        <p14:creationId xmlns:p14="http://schemas.microsoft.com/office/powerpoint/2010/main" xmlns="" val="3294617461"/>
+        <p14:creationId xmlns:p14="http://schemas.microsoft.com/office/powerpoint/2010/main" val="3294617461"/>
       </p:ext>
     </p:extLst>
   </p:cSld>
@@ -37710,7 +37783,7 @@
     </p:spTree>
     <p:extLst>
       <p:ext uri="{BB962C8B-B14F-4D97-AF65-F5344CB8AC3E}">
-        <p14:creationId xmlns="" xmlns:p14="http://schemas.microsoft.com/office/powerpoint/2010/main" val="3551023767"/>
+        <p14:creationId xmlns:p14="http://schemas.microsoft.com/office/powerpoint/2010/main" val="3551023767"/>
       </p:ext>
     </p:extLst>
   </p:cSld>
@@ -38259,7 +38332,7 @@
     </p:spTree>
     <p:extLst>
       <p:ext uri="{BB962C8B-B14F-4D97-AF65-F5344CB8AC3E}">
-        <p14:creationId xmlns:p14="http://schemas.microsoft.com/office/powerpoint/2010/main" xmlns="" val="3294617461"/>
+        <p14:creationId xmlns:p14="http://schemas.microsoft.com/office/powerpoint/2010/main" val="3294617461"/>
       </p:ext>
     </p:extLst>
   </p:cSld>
@@ -39067,7 +39140,7 @@
     </p:spTree>
     <p:extLst>
       <p:ext uri="{BB962C8B-B14F-4D97-AF65-F5344CB8AC3E}">
-        <p14:creationId xmlns:p14="http://schemas.microsoft.com/office/powerpoint/2010/main" xmlns="" val="3294617461"/>
+        <p14:creationId xmlns:p14="http://schemas.microsoft.com/office/powerpoint/2010/main" val="3294617461"/>
       </p:ext>
     </p:extLst>
   </p:cSld>
@@ -39758,7 +39831,7 @@
           <p:nvPr>
             <p:extLst>
               <p:ext uri="{D42A27DB-BD31-4B8C-83A1-F6EECF244321}">
-                <p14:modId xmlns:p14="http://schemas.microsoft.com/office/powerpoint/2010/main" xmlns="" val="3067054420"/>
+                <p14:modId xmlns:p14="http://schemas.microsoft.com/office/powerpoint/2010/main" val="3067054420"/>
               </p:ext>
             </p:extLst>
           </p:nvPr>
@@ -40130,7 +40203,7 @@
     </p:spTree>
     <p:extLst>
       <p:ext uri="{BB962C8B-B14F-4D97-AF65-F5344CB8AC3E}">
-        <p14:creationId xmlns:p14="http://schemas.microsoft.com/office/powerpoint/2010/main" xmlns="" val="3805239682"/>
+        <p14:creationId xmlns:p14="http://schemas.microsoft.com/office/powerpoint/2010/main" val="3805239682"/>
       </p:ext>
     </p:extLst>
   </p:cSld>
@@ -40248,7 +40321,7 @@
     </p:spTree>
     <p:extLst>
       <p:ext uri="{BB962C8B-B14F-4D97-AF65-F5344CB8AC3E}">
-        <p14:creationId xmlns:p14="http://schemas.microsoft.com/office/powerpoint/2010/main" xmlns="" val="765025679"/>
+        <p14:creationId xmlns:p14="http://schemas.microsoft.com/office/powerpoint/2010/main" val="765025679"/>
       </p:ext>
     </p:extLst>
   </p:cSld>
@@ -40361,7 +40434,7 @@
           <p:nvPr>
             <p:extLst>
               <p:ext uri="{D42A27DB-BD31-4B8C-83A1-F6EECF244321}">
-                <p14:modId xmlns:p14="http://schemas.microsoft.com/office/powerpoint/2010/main" xmlns="" val="745344059"/>
+                <p14:modId xmlns:p14="http://schemas.microsoft.com/office/powerpoint/2010/main" val="745344059"/>
               </p:ext>
             </p:extLst>
           </p:nvPr>
@@ -40688,7 +40761,7 @@
     </p:spTree>
     <p:extLst>
       <p:ext uri="{BB962C8B-B14F-4D97-AF65-F5344CB8AC3E}">
-        <p14:creationId xmlns:p14="http://schemas.microsoft.com/office/powerpoint/2010/main" xmlns="" val="1288340344"/>
+        <p14:creationId xmlns:p14="http://schemas.microsoft.com/office/powerpoint/2010/main" val="1288340344"/>
       </p:ext>
     </p:extLst>
   </p:cSld>
